--- a/11_e6/07_class的继承/note.pptx
+++ b/11_e6/07_class的继承/note.pptx
@@ -8,6 +8,9 @@
     <p:sldId id="256" r:id="rId3"/>
     <p:sldId id="257" r:id="rId4"/>
     <p:sldId id="258" r:id="rId5"/>
+    <p:sldId id="259" r:id="rId6"/>
+    <p:sldId id="260" r:id="rId7"/>
+    <p:sldId id="261" r:id="rId8"/>
   </p:sldIdLst>
   <p:sldSz cx="12192000" cy="6858000"/>
   <p:notesSz cx="7103745" cy="10234295"/>
@@ -2838,6 +2841,192 @@
 </p:sld>
 </file>
 
+<file path=ppt/slides/slide4.xml><?xml version="1.0" encoding="utf-8"?>
+<p:sld xmlns:a="http://schemas.openxmlformats.org/drawingml/2006/main" xmlns:r="http://schemas.openxmlformats.org/officeDocument/2006/relationships" xmlns:p="http://schemas.openxmlformats.org/presentationml/2006/main">
+  <p:cSld>
+    <p:spTree>
+      <p:nvGrpSpPr>
+        <p:cNvPr id="1" name=""/>
+        <p:cNvGrpSpPr/>
+        <p:nvPr/>
+      </p:nvGrpSpPr>
+      <p:grpSpPr/>
+      <p:sp>
+        <p:nvSpPr>
+          <p:cNvPr id="2" name="标题 1"/>
+          <p:cNvSpPr>
+            <a:spLocks noGrp="1"/>
+          </p:cNvSpPr>
+          <p:nvPr>
+            <p:ph type="title"/>
+          </p:nvPr>
+        </p:nvSpPr>
+        <p:spPr/>
+        <p:txBody>
+          <a:bodyPr/>
+          <a:p>
+            <a:endParaRPr lang="zh-CN" altLang="en-US"/>
+          </a:p>
+        </p:txBody>
+      </p:sp>
+      <p:pic>
+        <p:nvPicPr>
+          <p:cNvPr id="4" name="内容占位符 3"/>
+          <p:cNvPicPr>
+            <a:picLocks noChangeAspect="1"/>
+          </p:cNvPicPr>
+          <p:nvPr>
+            <p:ph idx="1"/>
+          </p:nvPr>
+        </p:nvPicPr>
+        <p:blipFill>
+          <a:blip r:embed="rId1"/>
+          <a:stretch>
+            <a:fillRect/>
+          </a:stretch>
+        </p:blipFill>
+        <p:spPr>
+          <a:xfrm>
+            <a:off x="-34290" y="5080"/>
+            <a:ext cx="8780780" cy="4845685"/>
+          </a:xfrm>
+          <a:prstGeom prst="rect">
+            <a:avLst/>
+          </a:prstGeom>
+        </p:spPr>
+      </p:pic>
+    </p:spTree>
+  </p:cSld>
+  <p:clrMapOvr>
+    <a:masterClrMapping/>
+  </p:clrMapOvr>
+</p:sld>
+</file>
+
+<file path=ppt/slides/slide5.xml><?xml version="1.0" encoding="utf-8"?>
+<p:sld xmlns:a="http://schemas.openxmlformats.org/drawingml/2006/main" xmlns:r="http://schemas.openxmlformats.org/officeDocument/2006/relationships" xmlns:p="http://schemas.openxmlformats.org/presentationml/2006/main">
+  <p:cSld>
+    <p:spTree>
+      <p:nvGrpSpPr>
+        <p:cNvPr id="1" name=""/>
+        <p:cNvGrpSpPr/>
+        <p:nvPr/>
+      </p:nvGrpSpPr>
+      <p:grpSpPr/>
+      <p:sp>
+        <p:nvSpPr>
+          <p:cNvPr id="2" name="标题 1"/>
+          <p:cNvSpPr>
+            <a:spLocks noGrp="1"/>
+          </p:cNvSpPr>
+          <p:nvPr>
+            <p:ph type="title"/>
+          </p:nvPr>
+        </p:nvSpPr>
+        <p:spPr/>
+        <p:txBody>
+          <a:bodyPr/>
+          <a:p>
+            <a:endParaRPr lang="zh-CN" altLang="en-US"/>
+          </a:p>
+        </p:txBody>
+      </p:sp>
+      <p:pic>
+        <p:nvPicPr>
+          <p:cNvPr id="4" name="内容占位符 3"/>
+          <p:cNvPicPr>
+            <a:picLocks noChangeAspect="1"/>
+          </p:cNvPicPr>
+          <p:nvPr>
+            <p:ph idx="1"/>
+          </p:nvPr>
+        </p:nvPicPr>
+        <p:blipFill>
+          <a:blip r:embed="rId1"/>
+          <a:stretch>
+            <a:fillRect/>
+          </a:stretch>
+        </p:blipFill>
+        <p:spPr>
+          <a:xfrm>
+            <a:off x="46990" y="3810"/>
+            <a:ext cx="9063990" cy="6688455"/>
+          </a:xfrm>
+          <a:prstGeom prst="rect">
+            <a:avLst/>
+          </a:prstGeom>
+        </p:spPr>
+      </p:pic>
+    </p:spTree>
+  </p:cSld>
+  <p:clrMapOvr>
+    <a:masterClrMapping/>
+  </p:clrMapOvr>
+</p:sld>
+</file>
+
+<file path=ppt/slides/slide6.xml><?xml version="1.0" encoding="utf-8"?>
+<p:sld xmlns:a="http://schemas.openxmlformats.org/drawingml/2006/main" xmlns:r="http://schemas.openxmlformats.org/officeDocument/2006/relationships" xmlns:p="http://schemas.openxmlformats.org/presentationml/2006/main">
+  <p:cSld>
+    <p:spTree>
+      <p:nvGrpSpPr>
+        <p:cNvPr id="1" name=""/>
+        <p:cNvGrpSpPr/>
+        <p:nvPr/>
+      </p:nvGrpSpPr>
+      <p:grpSpPr/>
+      <p:sp>
+        <p:nvSpPr>
+          <p:cNvPr id="2" name="标题 1"/>
+          <p:cNvSpPr>
+            <a:spLocks noGrp="1"/>
+          </p:cNvSpPr>
+          <p:nvPr>
+            <p:ph type="title"/>
+          </p:nvPr>
+        </p:nvSpPr>
+        <p:spPr/>
+        <p:txBody>
+          <a:bodyPr/>
+          <a:p>
+            <a:endParaRPr lang="zh-CN" altLang="en-US"/>
+          </a:p>
+        </p:txBody>
+      </p:sp>
+      <p:pic>
+        <p:nvPicPr>
+          <p:cNvPr id="4" name="内容占位符 3"/>
+          <p:cNvPicPr>
+            <a:picLocks noChangeAspect="1"/>
+          </p:cNvPicPr>
+          <p:nvPr>
+            <p:ph idx="1"/>
+          </p:nvPr>
+        </p:nvPicPr>
+        <p:blipFill>
+          <a:blip r:embed="rId1"/>
+          <a:stretch>
+            <a:fillRect/>
+          </a:stretch>
+        </p:blipFill>
+        <p:spPr>
+          <a:xfrm>
+            <a:off x="77470" y="-38735"/>
+            <a:ext cx="8808720" cy="6034405"/>
+          </a:xfrm>
+          <a:prstGeom prst="rect">
+            <a:avLst/>
+          </a:prstGeom>
+        </p:spPr>
+      </p:pic>
+    </p:spTree>
+  </p:cSld>
+  <p:clrMapOvr>
+    <a:masterClrMapping/>
+  </p:clrMapOvr>
+</p:sld>
+</file>
+
 <file path=ppt/theme/theme1.xml><?xml version="1.0" encoding="utf-8"?>
 <a:theme xmlns:a="http://schemas.openxmlformats.org/drawingml/2006/main" name="Office 主题">
   <a:themeElements>
